--- a/ASP.NetCore/Presentations/06.Identity.pptx
+++ b/ASP.NetCore/Presentations/06.Identity.pptx
@@ -265,7 +265,7 @@
               <a:pPr>
                 <a:defRPr/>
               </a:pPr>
-              <a:t>4/27/2022</a:t>
+              <a:t>5/5/2022</a:t>
             </a:fld>
             <a:endParaRPr lang="en-US" dirty="0"/>
           </a:p>
@@ -2166,7 +2166,7 @@
           <p:nvPr>
             <p:extLst>
               <p:ext uri="{D42A27DB-BD31-4B8C-83A1-F6EECF244321}">
-                <p14:modId xmlns:p14="http://schemas.microsoft.com/office/powerpoint/2010/main" val="2856508126"/>
+                <p14:modId xmlns:p14="http://schemas.microsoft.com/office/powerpoint/2010/main" val="3845376712"/>
               </p:ext>
             </p:extLst>
           </p:nvPr>
@@ -2179,7 +2179,7 @@
           <a:graphicData uri="http://schemas.openxmlformats.org/presentationml/2006/ole">
             <mc:AlternateContent xmlns:mc="http://schemas.openxmlformats.org/markup-compatibility/2006">
               <mc:Choice xmlns:v="urn:schemas-microsoft-com:vml" Requires="v">
-                <p:oleObj spid="_x0000_s4099" name="Document" showAsIcon="1" r:id="rId3" imgW="914597" imgH="806311" progId="Word.Document.12">
+                <p:oleObj spid="_x0000_s4101" name="Document" showAsIcon="1" r:id="rId3" imgW="914597" imgH="806311" progId="Word.Document.12">
                   <p:embed/>
                 </p:oleObj>
               </mc:Choice>
@@ -4140,10 +4140,10 @@
       </p:sp>
       <p:graphicFrame>
         <p:nvGraphicFramePr>
-          <p:cNvPr id="2" name="Object 1">
+          <p:cNvPr id="6" name="Object 5">
             <a:extLst>
               <a:ext uri="{FF2B5EF4-FFF2-40B4-BE49-F238E27FC236}">
-                <a16:creationId xmlns:a16="http://schemas.microsoft.com/office/drawing/2014/main" id="{067D7AF7-D96F-4F10-AA51-208540A96737}"/>
+                <a16:creationId xmlns:a16="http://schemas.microsoft.com/office/drawing/2014/main" id="{F35CAA3C-5A18-4895-A887-38DA440B89FB}"/>
               </a:ext>
             </a:extLst>
           </p:cNvPr>
@@ -4153,20 +4153,20 @@
           <p:nvPr>
             <p:extLst>
               <p:ext uri="{D42A27DB-BD31-4B8C-83A1-F6EECF244321}">
-                <p14:modId xmlns:p14="http://schemas.microsoft.com/office/powerpoint/2010/main" val="398653988"/>
+                <p14:modId xmlns:p14="http://schemas.microsoft.com/office/powerpoint/2010/main" val="3371813753"/>
               </p:ext>
             </p:extLst>
           </p:nvPr>
         </p:nvGraphicFramePr>
         <p:xfrm>
-          <a:off x="6934200" y="4958294"/>
-          <a:ext cx="1104487" cy="974096"/>
+          <a:off x="6851811" y="5019675"/>
+          <a:ext cx="1034889" cy="912715"/>
         </p:xfrm>
         <a:graphic>
           <a:graphicData uri="http://schemas.openxmlformats.org/presentationml/2006/ole">
             <mc:AlternateContent xmlns:mc="http://schemas.openxmlformats.org/markup-compatibility/2006">
               <mc:Choice xmlns:v="urn:schemas-microsoft-com:vml" Requires="v">
-                <p:oleObj spid="_x0000_s1027" name="Document" showAsIcon="1" r:id="rId3" imgW="914597" imgH="806311" progId="Word.Document.12">
+                <p:oleObj spid="_x0000_s1029" name="Document" showAsIcon="1" r:id="rId3" imgW="914597" imgH="806311" progId="Word.Document.12">
                   <p:embed/>
                 </p:oleObj>
               </mc:Choice>
@@ -4187,8 +4187,8 @@
                     </p:blipFill>
                     <p:spPr>
                       <a:xfrm>
-                        <a:off x="6934200" y="4958294"/>
-                        <a:ext cx="1104487" cy="974096"/>
+                        <a:off x="6851811" y="5019675"/>
+                        <a:ext cx="1034889" cy="912715"/>
                       </a:xfrm>
                       <a:prstGeom prst="rect">
                         <a:avLst/>
@@ -4618,7 +4618,7 @@
           <p:nvPr>
             <p:extLst>
               <p:ext uri="{D42A27DB-BD31-4B8C-83A1-F6EECF244321}">
-                <p14:modId xmlns:p14="http://schemas.microsoft.com/office/powerpoint/2010/main" val="2534323485"/>
+                <p14:modId xmlns:p14="http://schemas.microsoft.com/office/powerpoint/2010/main" val="1499176032"/>
               </p:ext>
             </p:extLst>
           </p:nvPr>
@@ -4631,7 +4631,7 @@
           <a:graphicData uri="http://schemas.openxmlformats.org/presentationml/2006/ole">
             <mc:AlternateContent xmlns:mc="http://schemas.openxmlformats.org/markup-compatibility/2006">
               <mc:Choice xmlns:v="urn:schemas-microsoft-com:vml" Requires="v">
-                <p:oleObj spid="_x0000_s2051" name="Document" showAsIcon="1" r:id="rId3" imgW="914597" imgH="806311" progId="Word.Document.12">
+                <p:oleObj spid="_x0000_s2053" name="Document" showAsIcon="1" r:id="rId3" imgW="914597" imgH="806311" progId="Word.Document.12">
                   <p:embed/>
                 </p:oleObj>
               </mc:Choice>
@@ -5101,7 +5101,7 @@
           <p:nvPr>
             <p:extLst>
               <p:ext uri="{D42A27DB-BD31-4B8C-83A1-F6EECF244321}">
-                <p14:modId xmlns:p14="http://schemas.microsoft.com/office/powerpoint/2010/main" val="1107741396"/>
+                <p14:modId xmlns:p14="http://schemas.microsoft.com/office/powerpoint/2010/main" val="849041044"/>
               </p:ext>
             </p:extLst>
           </p:nvPr>
@@ -5114,7 +5114,7 @@
           <a:graphicData uri="http://schemas.openxmlformats.org/presentationml/2006/ole">
             <mc:AlternateContent xmlns:mc="http://schemas.openxmlformats.org/markup-compatibility/2006">
               <mc:Choice xmlns:v="urn:schemas-microsoft-com:vml" Requires="v">
-                <p:oleObj spid="_x0000_s3075" name="Document" showAsIcon="1" r:id="rId4" imgW="914597" imgH="806311" progId="Word.Document.12">
+                <p:oleObj spid="_x0000_s3077" name="Document" showAsIcon="1" r:id="rId4" imgW="914597" imgH="806311" progId="Word.Document.12">
                   <p:embed/>
                 </p:oleObj>
               </mc:Choice>
